--- a/Present Traffy Fondue Project.pptx
+++ b/Present Traffy Fondue Project.pptx
@@ -4233,7 +4233,7 @@
         </p:nvSpPr>
         <p:spPr>
           <a:xfrm>
-            <a:off x="0" y="0"/>
+            <a:off x="0" y="-273269"/>
             <a:ext cx="12192000" cy="6858000"/>
           </a:xfrm>
           <a:prstGeom prst="rect">
@@ -4338,7 +4338,7 @@
         </p:blipFill>
         <p:spPr>
           <a:xfrm>
-            <a:off x="1030013" y="1295954"/>
+            <a:off x="1734206" y="1021902"/>
             <a:ext cx="9911255" cy="5432003"/>
           </a:xfrm>
           <a:prstGeom prst="rect">
